--- a/Smart Bot_机器人助理小明项目/AI Skill Challenge 2023_Smart Assistant_机器人助理小明_baoqiaobruce0916@outlook.com_20230815.pptx
+++ b/Smart Bot_机器人助理小明项目/AI Skill Challenge 2023_Smart Assistant_机器人助理小明_baoqiaobruce0916@outlook.com_20230815.pptx
@@ -9,7 +9,8 @@
     <p:sldId id="260" r:id="rId3"/>
     <p:sldId id="264" r:id="rId4"/>
     <p:sldId id="263" r:id="rId5"/>
-    <p:sldId id="265" r:id="rId6"/>
+    <p:sldId id="266" r:id="rId6"/>
+    <p:sldId id="265" r:id="rId7"/>
   </p:sldIdLst>
   <p:sldSz cx="12192000" cy="6858000"/>
   <p:notesSz cx="6858000" cy="9144000"/>
@@ -3871,7 +3872,6 @@
               <a:rPr lang="zh-CN" altLang="en-US" dirty="0"/>
               <a:t>开发环境</a:t>
             </a:r>
-            <a:endParaRPr lang="en-US" altLang="zh-CN" dirty="0"/>
           </a:p>
         </p:txBody>
       </p:sp>
@@ -4502,12 +4502,14 @@
         </p:nvSpPr>
         <p:spPr>
           <a:xfrm>
-            <a:off x="1524000" y="2141766"/>
-            <a:ext cx="9144000" cy="2838796"/>
-          </a:xfrm>
-        </p:spPr>
-        <p:txBody>
-          <a:bodyPr/>
+            <a:off x="1524000" y="2141765"/>
+            <a:ext cx="9144000" cy="2809613"/>
+          </a:xfrm>
+        </p:spPr>
+        <p:txBody>
+          <a:bodyPr>
+            <a:normAutofit/>
+          </a:bodyPr>
           <a:lstStyle/>
           <a:p>
             <a:pPr marL="457200" indent="-457200">
@@ -4562,6 +4564,262 @@
               <a:rPr lang="en-US" altLang="zh-CN" dirty="0"/>
               <a:t>Microsoft Teams</a:t>
             </a:r>
+          </a:p>
+        </p:txBody>
+      </p:sp>
+      <p:sp>
+        <p:nvSpPr>
+          <p:cNvPr id="4" name="Subtitle 2">
+            <a:extLst>
+              <a:ext uri="{FF2B5EF4-FFF2-40B4-BE49-F238E27FC236}">
+                <a16:creationId xmlns:a16="http://schemas.microsoft.com/office/drawing/2014/main" id="{53EF5343-154A-FCDF-17AB-34742DF19572}"/>
+              </a:ext>
+            </a:extLst>
+          </p:cNvPr>
+          <p:cNvSpPr txBox="1">
+            <a:spLocks/>
+          </p:cNvSpPr>
+          <p:nvPr/>
+        </p:nvSpPr>
+        <p:spPr>
+          <a:xfrm>
+            <a:off x="1660188" y="5351891"/>
+            <a:ext cx="7337898" cy="515566"/>
+          </a:xfrm>
+          <a:prstGeom prst="rect">
+            <a:avLst/>
+          </a:prstGeom>
+        </p:spPr>
+        <p:txBody>
+          <a:bodyPr vert="horz" lIns="91440" tIns="91440" rIns="91440" bIns="91440" rtlCol="0">
+            <a:normAutofit/>
+          </a:bodyPr>
+          <a:lstStyle>
+            <a:lvl1pPr marL="0" indent="0" algn="l" defTabSz="914400" rtl="0" eaLnBrk="1" latinLnBrk="0" hangingPunct="1">
+              <a:lnSpc>
+                <a:spcPct val="120000"/>
+              </a:lnSpc>
+              <a:spcBef>
+                <a:spcPts val="1000"/>
+              </a:spcBef>
+              <a:buClr>
+                <a:schemeClr val="accent1"/>
+              </a:buClr>
+              <a:buSzPct val="100000"/>
+              <a:buFont typeface="Arial" panose="020B0604020202020204" pitchFamily="34" charset="0"/>
+              <a:buNone/>
+              <a:defRPr sz="1800" b="0" kern="1200">
+                <a:solidFill>
+                  <a:schemeClr val="tx1"/>
+                </a:solidFill>
+                <a:effectLst/>
+                <a:latin typeface="+mn-lt"/>
+                <a:ea typeface="+mn-ea"/>
+                <a:cs typeface="+mn-cs"/>
+              </a:defRPr>
+            </a:lvl1pPr>
+            <a:lvl2pPr marL="457200" indent="0" algn="ctr" defTabSz="914400" rtl="0" eaLnBrk="1" latinLnBrk="0" hangingPunct="1">
+              <a:lnSpc>
+                <a:spcPct val="120000"/>
+              </a:lnSpc>
+              <a:spcBef>
+                <a:spcPts val="500"/>
+              </a:spcBef>
+              <a:buClr>
+                <a:schemeClr val="accent1"/>
+              </a:buClr>
+              <a:buSzPct val="100000"/>
+              <a:buFont typeface="Arial" panose="020B0604020202020204" pitchFamily="34" charset="0"/>
+              <a:buNone/>
+              <a:defRPr sz="1800" kern="1200" cap="none" baseline="0">
+                <a:solidFill>
+                  <a:schemeClr val="tx1"/>
+                </a:solidFill>
+                <a:effectLst/>
+                <a:latin typeface="+mn-lt"/>
+                <a:ea typeface="+mn-ea"/>
+                <a:cs typeface="+mn-cs"/>
+              </a:defRPr>
+            </a:lvl2pPr>
+            <a:lvl3pPr marL="914400" indent="0" algn="ctr" defTabSz="914400" rtl="0" eaLnBrk="1" latinLnBrk="0" hangingPunct="1">
+              <a:lnSpc>
+                <a:spcPct val="120000"/>
+              </a:lnSpc>
+              <a:spcBef>
+                <a:spcPts val="500"/>
+              </a:spcBef>
+              <a:buClr>
+                <a:schemeClr val="accent1"/>
+              </a:buClr>
+              <a:buSzPct val="100000"/>
+              <a:buFont typeface="Arial" panose="020B0604020202020204" pitchFamily="34" charset="0"/>
+              <a:buNone/>
+              <a:defRPr sz="1800" kern="1200">
+                <a:solidFill>
+                  <a:schemeClr val="tx1"/>
+                </a:solidFill>
+                <a:effectLst/>
+                <a:latin typeface="+mn-lt"/>
+                <a:ea typeface="+mn-ea"/>
+                <a:cs typeface="+mn-cs"/>
+              </a:defRPr>
+            </a:lvl3pPr>
+            <a:lvl4pPr marL="1371600" indent="0" algn="ctr" defTabSz="914400" rtl="0" eaLnBrk="1" latinLnBrk="0" hangingPunct="1">
+              <a:lnSpc>
+                <a:spcPct val="120000"/>
+              </a:lnSpc>
+              <a:spcBef>
+                <a:spcPts val="500"/>
+              </a:spcBef>
+              <a:buClr>
+                <a:schemeClr val="accent1"/>
+              </a:buClr>
+              <a:buSzPct val="100000"/>
+              <a:buFont typeface="Arial" panose="020B0604020202020204" pitchFamily="34" charset="0"/>
+              <a:buNone/>
+              <a:defRPr sz="1600" kern="1200" cap="none" baseline="0">
+                <a:solidFill>
+                  <a:schemeClr val="tx1"/>
+                </a:solidFill>
+                <a:effectLst/>
+                <a:latin typeface="+mn-lt"/>
+                <a:ea typeface="+mn-ea"/>
+                <a:cs typeface="+mn-cs"/>
+              </a:defRPr>
+            </a:lvl4pPr>
+            <a:lvl5pPr marL="1828800" indent="0" algn="ctr" defTabSz="914400" rtl="0" eaLnBrk="1" latinLnBrk="0" hangingPunct="1">
+              <a:lnSpc>
+                <a:spcPct val="120000"/>
+              </a:lnSpc>
+              <a:spcBef>
+                <a:spcPts val="500"/>
+              </a:spcBef>
+              <a:buClr>
+                <a:schemeClr val="accent1"/>
+              </a:buClr>
+              <a:buSzPct val="100000"/>
+              <a:buFont typeface="Arial" panose="020B0604020202020204" pitchFamily="34" charset="0"/>
+              <a:buNone/>
+              <a:defRPr sz="1600" kern="1200">
+                <a:solidFill>
+                  <a:schemeClr val="tx1"/>
+                </a:solidFill>
+                <a:effectLst/>
+                <a:latin typeface="+mn-lt"/>
+                <a:ea typeface="+mn-ea"/>
+                <a:cs typeface="+mn-cs"/>
+              </a:defRPr>
+            </a:lvl5pPr>
+            <a:lvl6pPr marL="2286000" indent="0" algn="ctr" defTabSz="914400" rtl="0" eaLnBrk="1" latinLnBrk="0" hangingPunct="1">
+              <a:lnSpc>
+                <a:spcPct val="120000"/>
+              </a:lnSpc>
+              <a:spcBef>
+                <a:spcPts val="500"/>
+              </a:spcBef>
+              <a:buClr>
+                <a:schemeClr val="accent1"/>
+              </a:buClr>
+              <a:buSzPct val="100000"/>
+              <a:buFont typeface="Arial" panose="020B0604020202020204" pitchFamily="34" charset="0"/>
+              <a:buNone/>
+              <a:defRPr sz="1600" kern="1200">
+                <a:solidFill>
+                  <a:schemeClr val="tx1"/>
+                </a:solidFill>
+                <a:effectLst/>
+                <a:latin typeface="+mn-lt"/>
+                <a:ea typeface="+mn-ea"/>
+                <a:cs typeface="+mn-cs"/>
+              </a:defRPr>
+            </a:lvl6pPr>
+            <a:lvl7pPr marL="2743200" indent="0" algn="ctr" defTabSz="914400" rtl="0" eaLnBrk="1" latinLnBrk="0" hangingPunct="1">
+              <a:lnSpc>
+                <a:spcPct val="120000"/>
+              </a:lnSpc>
+              <a:spcBef>
+                <a:spcPts val="500"/>
+              </a:spcBef>
+              <a:buClr>
+                <a:schemeClr val="accent1"/>
+              </a:buClr>
+              <a:buSzPct val="100000"/>
+              <a:buFont typeface="Arial" panose="020B0604020202020204" pitchFamily="34" charset="0"/>
+              <a:buNone/>
+              <a:defRPr sz="1600" kern="1200">
+                <a:solidFill>
+                  <a:schemeClr val="tx1"/>
+                </a:solidFill>
+                <a:effectLst/>
+                <a:latin typeface="+mn-lt"/>
+                <a:ea typeface="+mn-ea"/>
+                <a:cs typeface="+mn-cs"/>
+              </a:defRPr>
+            </a:lvl7pPr>
+            <a:lvl8pPr marL="3200400" indent="0" algn="ctr" defTabSz="914400" rtl="0" eaLnBrk="1" latinLnBrk="0" hangingPunct="1">
+              <a:lnSpc>
+                <a:spcPct val="120000"/>
+              </a:lnSpc>
+              <a:spcBef>
+                <a:spcPts val="500"/>
+              </a:spcBef>
+              <a:buClr>
+                <a:schemeClr val="accent1"/>
+              </a:buClr>
+              <a:buSzPct val="100000"/>
+              <a:buFont typeface="Arial" panose="020B0604020202020204" pitchFamily="34" charset="0"/>
+              <a:buNone/>
+              <a:defRPr sz="1600" kern="1200" baseline="0">
+                <a:solidFill>
+                  <a:schemeClr val="tx1"/>
+                </a:solidFill>
+                <a:effectLst/>
+                <a:latin typeface="+mn-lt"/>
+                <a:ea typeface="+mn-ea"/>
+                <a:cs typeface="+mn-cs"/>
+              </a:defRPr>
+            </a:lvl8pPr>
+            <a:lvl9pPr marL="3657600" indent="0" algn="ctr" defTabSz="914400" rtl="0" eaLnBrk="1" latinLnBrk="0" hangingPunct="1">
+              <a:lnSpc>
+                <a:spcPct val="120000"/>
+              </a:lnSpc>
+              <a:spcBef>
+                <a:spcPts val="500"/>
+              </a:spcBef>
+              <a:buClr>
+                <a:schemeClr val="accent1"/>
+              </a:buClr>
+              <a:buSzPct val="100000"/>
+              <a:buFont typeface="Arial" panose="020B0604020202020204" pitchFamily="34" charset="0"/>
+              <a:buNone/>
+              <a:defRPr sz="1600" kern="1200" baseline="0">
+                <a:solidFill>
+                  <a:schemeClr val="tx1"/>
+                </a:solidFill>
+                <a:effectLst/>
+                <a:latin typeface="+mn-lt"/>
+                <a:ea typeface="+mn-ea"/>
+                <a:cs typeface="+mn-cs"/>
+              </a:defRPr>
+            </a:lvl9pPr>
+          </a:lstStyle>
+          <a:p>
+            <a:r>
+              <a:rPr lang="zh-CN" altLang="en-US" dirty="0"/>
+              <a:t>项目的具体情况请参考</a:t>
+            </a:r>
+            <a:r>
+              <a:rPr lang="en-US" altLang="zh-CN" dirty="0"/>
+              <a:t>GitHub</a:t>
+            </a:r>
+            <a:r>
+              <a:rPr lang="zh-CN" altLang="en-US" dirty="0"/>
+              <a:t>仓库中的视频文件和文档，谢谢</a:t>
+            </a:r>
+            <a:endParaRPr lang="en-US" altLang="zh-CN" dirty="0"/>
+          </a:p>
+          <a:p>
+            <a:endParaRPr lang="en-US" altLang="zh-CN" dirty="0"/>
           </a:p>
         </p:txBody>
       </p:sp>
@@ -4579,6 +4837,153 @@
 </file>
 
 <file path=ppt/slides/slide5.xml><?xml version="1.0" encoding="utf-8"?>
+<p:sld xmlns:a="http://schemas.openxmlformats.org/drawingml/2006/main" xmlns:r="http://schemas.openxmlformats.org/officeDocument/2006/relationships" xmlns:p="http://schemas.openxmlformats.org/presentationml/2006/main">
+  <p:cSld>
+    <p:spTree>
+      <p:nvGrpSpPr>
+        <p:cNvPr id="1" name=""/>
+        <p:cNvGrpSpPr/>
+        <p:nvPr/>
+      </p:nvGrpSpPr>
+      <p:grpSpPr>
+        <a:xfrm>
+          <a:off x="0" y="0"/>
+          <a:ext cx="0" cy="0"/>
+          <a:chOff x="0" y="0"/>
+          <a:chExt cx="0" cy="0"/>
+        </a:xfrm>
+      </p:grpSpPr>
+      <p:sp>
+        <p:nvSpPr>
+          <p:cNvPr id="2" name="Title 1">
+            <a:extLst>
+              <a:ext uri="{FF2B5EF4-FFF2-40B4-BE49-F238E27FC236}">
+                <a16:creationId xmlns:a16="http://schemas.microsoft.com/office/drawing/2014/main" id="{20675085-6A21-FAC6-B4BD-0824CF79BE43}"/>
+              </a:ext>
+            </a:extLst>
+          </p:cNvPr>
+          <p:cNvSpPr>
+            <a:spLocks noGrp="1"/>
+          </p:cNvSpPr>
+          <p:nvPr>
+            <p:ph type="ctrTitle"/>
+          </p:nvPr>
+        </p:nvSpPr>
+        <p:spPr>
+          <a:xfrm>
+            <a:off x="1524000" y="1122364"/>
+            <a:ext cx="9144000" cy="618888"/>
+          </a:xfrm>
+        </p:spPr>
+        <p:txBody>
+          <a:bodyPr>
+            <a:normAutofit/>
+          </a:bodyPr>
+          <a:lstStyle/>
+          <a:p>
+            <a:r>
+              <a:rPr lang="zh-CN" altLang="en-US" sz="3600" dirty="0"/>
+              <a:t>机器人助理小明 系统用到的一些技术</a:t>
+            </a:r>
+            <a:endParaRPr lang="en-US" sz="3600" dirty="0"/>
+          </a:p>
+        </p:txBody>
+      </p:sp>
+      <p:sp>
+        <p:nvSpPr>
+          <p:cNvPr id="3" name="Subtitle 2">
+            <a:extLst>
+              <a:ext uri="{FF2B5EF4-FFF2-40B4-BE49-F238E27FC236}">
+                <a16:creationId xmlns:a16="http://schemas.microsoft.com/office/drawing/2014/main" id="{D7BD1E94-57A5-4351-3647-828FBB4386ED}"/>
+              </a:ext>
+            </a:extLst>
+          </p:cNvPr>
+          <p:cNvSpPr>
+            <a:spLocks noGrp="1"/>
+          </p:cNvSpPr>
+          <p:nvPr>
+            <p:ph type="subTitle" idx="1"/>
+          </p:nvPr>
+        </p:nvSpPr>
+        <p:spPr>
+          <a:xfrm>
+            <a:off x="1524000" y="2141766"/>
+            <a:ext cx="9144000" cy="2838796"/>
+          </a:xfrm>
+        </p:spPr>
+        <p:txBody>
+          <a:bodyPr/>
+          <a:lstStyle/>
+          <a:p>
+            <a:pPr marL="457200" indent="-457200">
+              <a:buAutoNum type="arabicPeriod"/>
+            </a:pPr>
+            <a:r>
+              <a:rPr lang="en-US" altLang="zh-CN" dirty="0"/>
+              <a:t>Power Virtual Agent</a:t>
+            </a:r>
+          </a:p>
+          <a:p>
+            <a:pPr marL="457200" indent="-457200">
+              <a:buAutoNum type="arabicPeriod"/>
+            </a:pPr>
+            <a:r>
+              <a:rPr lang="en-US" altLang="zh-CN" dirty="0"/>
+              <a:t>AI Builder</a:t>
+            </a:r>
+          </a:p>
+          <a:p>
+            <a:pPr marL="457200" indent="-457200">
+              <a:buAutoNum type="arabicPeriod"/>
+            </a:pPr>
+            <a:r>
+              <a:rPr lang="en-US" altLang="zh-CN" dirty="0"/>
+              <a:t>Power Apps</a:t>
+            </a:r>
+          </a:p>
+          <a:p>
+            <a:pPr marL="457200" indent="-457200">
+              <a:buAutoNum type="arabicPeriod"/>
+            </a:pPr>
+            <a:r>
+              <a:rPr lang="en-US" altLang="zh-CN" dirty="0"/>
+              <a:t>Power Automate</a:t>
+            </a:r>
+          </a:p>
+          <a:p>
+            <a:pPr marL="457200" indent="-457200">
+              <a:buAutoNum type="arabicPeriod"/>
+            </a:pPr>
+            <a:r>
+              <a:rPr lang="en-US" altLang="zh-CN" dirty="0"/>
+              <a:t>SharePoint Online</a:t>
+            </a:r>
+          </a:p>
+          <a:p>
+            <a:pPr marL="457200" indent="-457200">
+              <a:buAutoNum type="arabicPeriod"/>
+            </a:pPr>
+            <a:r>
+              <a:rPr lang="en-US" altLang="zh-CN" dirty="0"/>
+              <a:t>Microsoft Teams</a:t>
+            </a:r>
+          </a:p>
+        </p:txBody>
+      </p:sp>
+    </p:spTree>
+    <p:extLst>
+      <p:ext uri="{BB962C8B-B14F-4D97-AF65-F5344CB8AC3E}">
+        <p14:creationId xmlns:p14="http://schemas.microsoft.com/office/powerpoint/2010/main" val="3182578774"/>
+      </p:ext>
+    </p:extLst>
+  </p:cSld>
+  <p:clrMapOvr>
+    <a:masterClrMapping/>
+  </p:clrMapOvr>
+</p:sld>
+</file>
+
+<file path=ppt/slides/slide6.xml><?xml version="1.0" encoding="utf-8"?>
 <p:sld xmlns:a="http://schemas.openxmlformats.org/drawingml/2006/main" xmlns:r="http://schemas.openxmlformats.org/officeDocument/2006/relationships" xmlns:p="http://schemas.openxmlformats.org/presentationml/2006/main">
   <p:cSld>
     <p:spTree>

--- a/Smart Bot_机器人助理小明项目/AI Skill Challenge 2023_Smart Assistant_机器人助理小明_baoqiaobruce0916@outlook.com_20230815.pptx
+++ b/Smart Bot_机器人助理小明项目/AI Skill Challenge 2023_Smart Assistant_机器人助理小明_baoqiaobruce0916@outlook.com_20230815.pptx
@@ -9,8 +9,7 @@
     <p:sldId id="260" r:id="rId3"/>
     <p:sldId id="264" r:id="rId4"/>
     <p:sldId id="263" r:id="rId5"/>
-    <p:sldId id="266" r:id="rId6"/>
-    <p:sldId id="265" r:id="rId7"/>
+    <p:sldId id="265" r:id="rId6"/>
   </p:sldIdLst>
   <p:sldSz cx="12192000" cy="6858000"/>
   <p:notesSz cx="6858000" cy="9144000"/>
@@ -4855,153 +4854,6 @@
       </p:grpSpPr>
       <p:sp>
         <p:nvSpPr>
-          <p:cNvPr id="2" name="Title 1">
-            <a:extLst>
-              <a:ext uri="{FF2B5EF4-FFF2-40B4-BE49-F238E27FC236}">
-                <a16:creationId xmlns:a16="http://schemas.microsoft.com/office/drawing/2014/main" id="{20675085-6A21-FAC6-B4BD-0824CF79BE43}"/>
-              </a:ext>
-            </a:extLst>
-          </p:cNvPr>
-          <p:cNvSpPr>
-            <a:spLocks noGrp="1"/>
-          </p:cNvSpPr>
-          <p:nvPr>
-            <p:ph type="ctrTitle"/>
-          </p:nvPr>
-        </p:nvSpPr>
-        <p:spPr>
-          <a:xfrm>
-            <a:off x="1524000" y="1122364"/>
-            <a:ext cx="9144000" cy="618888"/>
-          </a:xfrm>
-        </p:spPr>
-        <p:txBody>
-          <a:bodyPr>
-            <a:normAutofit/>
-          </a:bodyPr>
-          <a:lstStyle/>
-          <a:p>
-            <a:r>
-              <a:rPr lang="zh-CN" altLang="en-US" sz="3600" dirty="0"/>
-              <a:t>机器人助理小明 系统用到的一些技术</a:t>
-            </a:r>
-            <a:endParaRPr lang="en-US" sz="3600" dirty="0"/>
-          </a:p>
-        </p:txBody>
-      </p:sp>
-      <p:sp>
-        <p:nvSpPr>
-          <p:cNvPr id="3" name="Subtitle 2">
-            <a:extLst>
-              <a:ext uri="{FF2B5EF4-FFF2-40B4-BE49-F238E27FC236}">
-                <a16:creationId xmlns:a16="http://schemas.microsoft.com/office/drawing/2014/main" id="{D7BD1E94-57A5-4351-3647-828FBB4386ED}"/>
-              </a:ext>
-            </a:extLst>
-          </p:cNvPr>
-          <p:cNvSpPr>
-            <a:spLocks noGrp="1"/>
-          </p:cNvSpPr>
-          <p:nvPr>
-            <p:ph type="subTitle" idx="1"/>
-          </p:nvPr>
-        </p:nvSpPr>
-        <p:spPr>
-          <a:xfrm>
-            <a:off x="1524000" y="2141766"/>
-            <a:ext cx="9144000" cy="2838796"/>
-          </a:xfrm>
-        </p:spPr>
-        <p:txBody>
-          <a:bodyPr/>
-          <a:lstStyle/>
-          <a:p>
-            <a:pPr marL="457200" indent="-457200">
-              <a:buAutoNum type="arabicPeriod"/>
-            </a:pPr>
-            <a:r>
-              <a:rPr lang="en-US" altLang="zh-CN" dirty="0"/>
-              <a:t>Power Virtual Agent</a:t>
-            </a:r>
-          </a:p>
-          <a:p>
-            <a:pPr marL="457200" indent="-457200">
-              <a:buAutoNum type="arabicPeriod"/>
-            </a:pPr>
-            <a:r>
-              <a:rPr lang="en-US" altLang="zh-CN" dirty="0"/>
-              <a:t>AI Builder</a:t>
-            </a:r>
-          </a:p>
-          <a:p>
-            <a:pPr marL="457200" indent="-457200">
-              <a:buAutoNum type="arabicPeriod"/>
-            </a:pPr>
-            <a:r>
-              <a:rPr lang="en-US" altLang="zh-CN" dirty="0"/>
-              <a:t>Power Apps</a:t>
-            </a:r>
-          </a:p>
-          <a:p>
-            <a:pPr marL="457200" indent="-457200">
-              <a:buAutoNum type="arabicPeriod"/>
-            </a:pPr>
-            <a:r>
-              <a:rPr lang="en-US" altLang="zh-CN" dirty="0"/>
-              <a:t>Power Automate</a:t>
-            </a:r>
-          </a:p>
-          <a:p>
-            <a:pPr marL="457200" indent="-457200">
-              <a:buAutoNum type="arabicPeriod"/>
-            </a:pPr>
-            <a:r>
-              <a:rPr lang="en-US" altLang="zh-CN" dirty="0"/>
-              <a:t>SharePoint Online</a:t>
-            </a:r>
-          </a:p>
-          <a:p>
-            <a:pPr marL="457200" indent="-457200">
-              <a:buAutoNum type="arabicPeriod"/>
-            </a:pPr>
-            <a:r>
-              <a:rPr lang="en-US" altLang="zh-CN" dirty="0"/>
-              <a:t>Microsoft Teams</a:t>
-            </a:r>
-          </a:p>
-        </p:txBody>
-      </p:sp>
-    </p:spTree>
-    <p:extLst>
-      <p:ext uri="{BB962C8B-B14F-4D97-AF65-F5344CB8AC3E}">
-        <p14:creationId xmlns:p14="http://schemas.microsoft.com/office/powerpoint/2010/main" val="3182578774"/>
-      </p:ext>
-    </p:extLst>
-  </p:cSld>
-  <p:clrMapOvr>
-    <a:masterClrMapping/>
-  </p:clrMapOvr>
-</p:sld>
-</file>
-
-<file path=ppt/slides/slide6.xml><?xml version="1.0" encoding="utf-8"?>
-<p:sld xmlns:a="http://schemas.openxmlformats.org/drawingml/2006/main" xmlns:r="http://schemas.openxmlformats.org/officeDocument/2006/relationships" xmlns:p="http://schemas.openxmlformats.org/presentationml/2006/main">
-  <p:cSld>
-    <p:spTree>
-      <p:nvGrpSpPr>
-        <p:cNvPr id="1" name=""/>
-        <p:cNvGrpSpPr/>
-        <p:nvPr/>
-      </p:nvGrpSpPr>
-      <p:grpSpPr>
-        <a:xfrm>
-          <a:off x="0" y="0"/>
-          <a:ext cx="0" cy="0"/>
-          <a:chOff x="0" y="0"/>
-          <a:chExt cx="0" cy="0"/>
-        </a:xfrm>
-      </p:grpSpPr>
-      <p:sp>
-        <p:nvSpPr>
           <p:cNvPr id="2" name="Title 1"/>
           <p:cNvSpPr>
             <a:spLocks noGrp="1"/>
